--- a/Capstone1_Project_Presentation_LLv_JFCv2.pptx
+++ b/Capstone1_Project_Presentation_LLv_JFCv2.pptx
@@ -139,6 +139,43 @@
     <p1510:client id="{BAB6BD3D-A83F-479D-AFF3-5280431B9C83}" v="67" dt="2021-08-03T18:11:51.436"/>
   </p1510:revLst>
 </p1510:revInfo>
+</file>
+
+<file path=ppt/changesInfos/changesInfo1.xml><?xml version="1.0" encoding="utf-8"?>
+<pc:chgInfo xmlns:a="http://schemas.openxmlformats.org/drawingml/2006/main" xmlns:r="http://schemas.openxmlformats.org/officeDocument/2006/relationships" xmlns:ac="http://schemas.microsoft.com/office/drawing/2013/main/command" xmlns:pc="http://schemas.microsoft.com/office/powerpoint/2013/main/command">
+  <pc:docChgLst>
+    <pc:chgData name="John Clos" userId="35f71590851144db" providerId="LiveId" clId="{1923FC43-CFAE-480C-8ACD-F48225D644B6}"/>
+    <pc:docChg chg="custSel modSld">
+      <pc:chgData name="John Clos" userId="35f71590851144db" providerId="LiveId" clId="{1923FC43-CFAE-480C-8ACD-F48225D644B6}" dt="2021-08-03T22:58:33.191" v="13" actId="14100"/>
+      <pc:docMkLst>
+        <pc:docMk/>
+      </pc:docMkLst>
+      <pc:sldChg chg="modSp mod">
+        <pc:chgData name="John Clos" userId="35f71590851144db" providerId="LiveId" clId="{1923FC43-CFAE-480C-8ACD-F48225D644B6}" dt="2021-08-03T22:58:33.191" v="13" actId="14100"/>
+        <pc:sldMkLst>
+          <pc:docMk/>
+          <pc:sldMk cId="3552727148" sldId="280"/>
+        </pc:sldMkLst>
+        <pc:spChg chg="mod">
+          <ac:chgData name="John Clos" userId="35f71590851144db" providerId="LiveId" clId="{1923FC43-CFAE-480C-8ACD-F48225D644B6}" dt="2021-08-03T22:58:33.191" v="13" actId="14100"/>
+          <ac:spMkLst>
+            <pc:docMk/>
+            <pc:sldMk cId="3552727148" sldId="280"/>
+            <ac:spMk id="2" creationId="{CA65245D-9A5B-4A8B-A1A8-74BC31A26A2D}"/>
+          </ac:spMkLst>
+        </pc:spChg>
+        <pc:spChg chg="mod">
+          <ac:chgData name="John Clos" userId="35f71590851144db" providerId="LiveId" clId="{1923FC43-CFAE-480C-8ACD-F48225D644B6}" dt="2021-08-03T22:58:18.370" v="10" actId="14100"/>
+          <ac:spMkLst>
+            <pc:docMk/>
+            <pc:sldMk cId="3552727148" sldId="280"/>
+            <ac:spMk id="3" creationId="{03722126-C15E-4293-BC4F-236E3A90A3BC}"/>
+          </ac:spMkLst>
+        </pc:spChg>
+      </pc:sldChg>
+    </pc:docChg>
+  </pc:docChgLst>
+</pc:chgInfo>
 </file>
 
 <file path=ppt/notesMasters/notesMaster1.xml><?xml version="1.0" encoding="utf-8"?>
@@ -8467,8 +8504,8 @@
         </p:nvSpPr>
         <p:spPr>
           <a:xfrm>
-            <a:off x="860742" y="1124988"/>
-            <a:ext cx="4425962" cy="2387600"/>
+            <a:off x="464457" y="478971"/>
+            <a:ext cx="5269312" cy="3033617"/>
           </a:xfrm>
         </p:spPr>
         <p:txBody>
@@ -8480,13 +8517,16 @@
             <a:pPr algn="l"/>
             <a:r>
               <a:rPr lang="en-US" sz="4000" dirty="0"/>
-              <a:t>Capstone 1:</a:t>
+              <a:t>Correlation of Life Expectancy with Education</a:t>
             </a:r>
             <a:br>
-              <a:rPr lang="en-US" sz="4000"/>
+              <a:rPr lang="en-US" sz="4000" dirty="0"/>
+            </a:br>
+            <a:br>
+              <a:rPr lang="en-US" sz="4000" dirty="0"/>
             </a:br>
             <a:r>
-              <a:rPr lang="en-US" sz="4000"/>
+              <a:rPr lang="en-US" sz="3200" dirty="0"/>
               <a:t>Team Compsognathus</a:t>
             </a:r>
             <a:endParaRPr lang="en-US" sz="4000" dirty="0"/>
@@ -8511,17 +8551,19 @@
         </p:nvSpPr>
         <p:spPr>
           <a:xfrm>
-            <a:off x="860742" y="3633691"/>
-            <a:ext cx="4425962" cy="1655762"/>
+            <a:off x="464457" y="3633691"/>
+            <a:ext cx="4822247" cy="1655762"/>
           </a:xfrm>
         </p:spPr>
         <p:txBody>
-          <a:bodyPr/>
+          <a:bodyPr>
+            <a:normAutofit/>
+          </a:bodyPr>
           <a:lstStyle/>
           <a:p>
             <a:pPr algn="l"/>
             <a:r>
-              <a:rPr lang="en-US" dirty="0"/>
+              <a:rPr lang="en-US" sz="2800" dirty="0"/>
               <a:t>John Clos, Ling Lu and Yuman Wu</a:t>
             </a:r>
           </a:p>
